--- a/basic_programming/lesson_11/Array_java.pptx
+++ b/basic_programming/lesson_11/Array_java.pptx
@@ -123,6 +123,11 @@
       </a:defRPr>
     </a:lvl9pPr>
   </p:defaultTextStyle>
+  <p:extLst>
+    <p:ext uri="{EFAFB233-063F-42B5-8137-9DF3F51BA10A}">
+      <p15:sldGuideLst xmlns:p15="http://schemas.microsoft.com/office/powerpoint/2012/main"/>
+    </p:ext>
+  </p:extLst>
 </p:presentation>
 </file>
 
@@ -936,18 +941,22 @@
         <a:lstStyle/>
         <a:p>
           <a:r>
-            <a:rPr lang="ru-RU"/>
+            <a:rPr lang="ru-RU" dirty="0"/>
             <a:t>Массив содержит 8 элементов  типа </a:t>
           </a:r>
           <a:r>
-            <a:rPr lang="de-DE"/>
-            <a:t>int </a:t>
+            <a:rPr lang="de-DE" dirty="0" err="1"/>
+            <a:t>int</a:t>
           </a:r>
           <a:r>
-            <a:rPr lang="ru-RU"/>
+            <a:rPr lang="de-DE" dirty="0"/>
+            <a:t> </a:t>
+          </a:r>
+          <a:r>
+            <a:rPr lang="ru-RU" dirty="0"/>
             <a:t>(156, 11, 25 ,55, 65, 40, 11, 147)</a:t>
           </a:r>
-          <a:endParaRPr lang="en-US"/>
+          <a:endParaRPr lang="en-US" dirty="0"/>
         </a:p>
       </dgm:t>
     </dgm:pt>
@@ -981,14 +990,14 @@
         <a:lstStyle/>
         <a:p>
           <a:r>
-            <a:rPr lang="ru-RU"/>
+            <a:rPr lang="ru-RU" dirty="0"/>
             <a:t>Длина массива </a:t>
           </a:r>
           <a:r>
-            <a:rPr lang="de-DE"/>
+            <a:rPr lang="de-DE" dirty="0"/>
             <a:t>= 8</a:t>
           </a:r>
-          <a:endParaRPr lang="en-US"/>
+          <a:endParaRPr lang="en-US" dirty="0"/>
         </a:p>
       </dgm:t>
     </dgm:pt>
@@ -1059,10 +1068,10 @@
         <a:lstStyle/>
         <a:p>
           <a:r>
-            <a:rPr lang="ru-RU"/>
+            <a:rPr lang="ru-RU" dirty="0"/>
             <a:t>Индексы начинаются с 0, т.е. первый элемент в массиве доступен по индексу 0</a:t>
           </a:r>
-          <a:endParaRPr lang="en-US"/>
+          <a:endParaRPr lang="en-US" dirty="0"/>
         </a:p>
       </dgm:t>
     </dgm:pt>
@@ -1320,18 +1329,22 @@
             <a:buChar char="•"/>
           </a:pPr>
           <a:r>
-            <a:rPr lang="ru-RU" sz="1600" kern="1200"/>
+            <a:rPr lang="ru-RU" sz="1600" kern="1200" dirty="0"/>
             <a:t>Массив содержит 8 элементов  типа </a:t>
           </a:r>
           <a:r>
-            <a:rPr lang="de-DE" sz="1600" kern="1200"/>
-            <a:t>int </a:t>
+            <a:rPr lang="de-DE" sz="1600" kern="1200" dirty="0" err="1"/>
+            <a:t>int</a:t>
           </a:r>
           <a:r>
-            <a:rPr lang="ru-RU" sz="1600" kern="1200"/>
+            <a:rPr lang="de-DE" sz="1600" kern="1200" dirty="0"/>
+            <a:t> </a:t>
+          </a:r>
+          <a:r>
+            <a:rPr lang="ru-RU" sz="1600" kern="1200" dirty="0"/>
             <a:t>(156, 11, 25 ,55, 65, 40, 11, 147)</a:t>
           </a:r>
-          <a:endParaRPr lang="en-US" sz="1600" kern="1200"/>
+          <a:endParaRPr lang="en-US" sz="1600" kern="1200" dirty="0"/>
         </a:p>
         <a:p>
           <a:pPr marL="171450" lvl="1" indent="-171450" algn="l" defTabSz="711200">
@@ -1347,14 +1360,14 @@
             <a:buChar char="•"/>
           </a:pPr>
           <a:r>
-            <a:rPr lang="ru-RU" sz="1600" kern="1200"/>
+            <a:rPr lang="ru-RU" sz="1600" kern="1200" dirty="0"/>
             <a:t>Длина массива </a:t>
           </a:r>
           <a:r>
-            <a:rPr lang="de-DE" sz="1600" kern="1200"/>
+            <a:rPr lang="de-DE" sz="1600" kern="1200" dirty="0"/>
             <a:t>= 8</a:t>
           </a:r>
-          <a:endParaRPr lang="en-US" sz="1600" kern="1200"/>
+          <a:endParaRPr lang="en-US" sz="1600" kern="1200" dirty="0"/>
         </a:p>
         <a:p>
           <a:pPr marL="171450" lvl="1" indent="-171450" algn="l" defTabSz="711200">
@@ -1389,10 +1402,10 @@
             <a:buChar char="•"/>
           </a:pPr>
           <a:r>
-            <a:rPr lang="ru-RU" sz="1600" kern="1200"/>
+            <a:rPr lang="ru-RU" sz="1600" kern="1200" dirty="0"/>
             <a:t>Индексы начинаются с 0, т.е. первый элемент в массиве доступен по индексу 0</a:t>
           </a:r>
-          <a:endParaRPr lang="en-US" sz="1600" kern="1200"/>
+          <a:endParaRPr lang="en-US" sz="1600" kern="1200" dirty="0"/>
         </a:p>
         <a:p>
           <a:pPr marL="171450" lvl="1" indent="-171450" algn="l" defTabSz="711200">
@@ -2771,7 +2784,7 @@
           <a:p>
             <a:fld id="{9D68AE94-240B-49C5-9089-7412333F63ED}" type="datetimeFigureOut">
               <a:rPr lang="de-DE" smtClean="0"/>
-              <a:t>18.09.2023</a:t>
+              <a:t>19.09.2023</a:t>
             </a:fld>
             <a:endParaRPr lang="de-DE"/>
           </a:p>
@@ -2969,7 +2982,7 @@
           <a:p>
             <a:fld id="{9D68AE94-240B-49C5-9089-7412333F63ED}" type="datetimeFigureOut">
               <a:rPr lang="de-DE" smtClean="0"/>
-              <a:t>18.09.2023</a:t>
+              <a:t>19.09.2023</a:t>
             </a:fld>
             <a:endParaRPr lang="de-DE"/>
           </a:p>
@@ -3177,7 +3190,7 @@
           <a:p>
             <a:fld id="{9D68AE94-240B-49C5-9089-7412333F63ED}" type="datetimeFigureOut">
               <a:rPr lang="de-DE" smtClean="0"/>
-              <a:t>18.09.2023</a:t>
+              <a:t>19.09.2023</a:t>
             </a:fld>
             <a:endParaRPr lang="de-DE"/>
           </a:p>
@@ -3375,7 +3388,7 @@
           <a:p>
             <a:fld id="{9D68AE94-240B-49C5-9089-7412333F63ED}" type="datetimeFigureOut">
               <a:rPr lang="de-DE" smtClean="0"/>
-              <a:t>18.09.2023</a:t>
+              <a:t>19.09.2023</a:t>
             </a:fld>
             <a:endParaRPr lang="de-DE"/>
           </a:p>
@@ -3650,7 +3663,7 @@
           <a:p>
             <a:fld id="{9D68AE94-240B-49C5-9089-7412333F63ED}" type="datetimeFigureOut">
               <a:rPr lang="de-DE" smtClean="0"/>
-              <a:t>18.09.2023</a:t>
+              <a:t>19.09.2023</a:t>
             </a:fld>
             <a:endParaRPr lang="de-DE"/>
           </a:p>
@@ -3915,7 +3928,7 @@
           <a:p>
             <a:fld id="{9D68AE94-240B-49C5-9089-7412333F63ED}" type="datetimeFigureOut">
               <a:rPr lang="de-DE" smtClean="0"/>
-              <a:t>18.09.2023</a:t>
+              <a:t>19.09.2023</a:t>
             </a:fld>
             <a:endParaRPr lang="de-DE"/>
           </a:p>
@@ -4327,7 +4340,7 @@
           <a:p>
             <a:fld id="{9D68AE94-240B-49C5-9089-7412333F63ED}" type="datetimeFigureOut">
               <a:rPr lang="de-DE" smtClean="0"/>
-              <a:t>18.09.2023</a:t>
+              <a:t>19.09.2023</a:t>
             </a:fld>
             <a:endParaRPr lang="de-DE"/>
           </a:p>
@@ -4468,7 +4481,7 @@
           <a:p>
             <a:fld id="{9D68AE94-240B-49C5-9089-7412333F63ED}" type="datetimeFigureOut">
               <a:rPr lang="de-DE" smtClean="0"/>
-              <a:t>18.09.2023</a:t>
+              <a:t>19.09.2023</a:t>
             </a:fld>
             <a:endParaRPr lang="de-DE"/>
           </a:p>
@@ -4581,7 +4594,7 @@
           <a:p>
             <a:fld id="{9D68AE94-240B-49C5-9089-7412333F63ED}" type="datetimeFigureOut">
               <a:rPr lang="de-DE" smtClean="0"/>
-              <a:t>18.09.2023</a:t>
+              <a:t>19.09.2023</a:t>
             </a:fld>
             <a:endParaRPr lang="de-DE"/>
           </a:p>
@@ -4892,7 +4905,7 @@
           <a:p>
             <a:fld id="{9D68AE94-240B-49C5-9089-7412333F63ED}" type="datetimeFigureOut">
               <a:rPr lang="de-DE" smtClean="0"/>
-              <a:t>18.09.2023</a:t>
+              <a:t>19.09.2023</a:t>
             </a:fld>
             <a:endParaRPr lang="de-DE"/>
           </a:p>
@@ -5180,7 +5193,7 @@
           <a:p>
             <a:fld id="{9D68AE94-240B-49C5-9089-7412333F63ED}" type="datetimeFigureOut">
               <a:rPr lang="de-DE" smtClean="0"/>
-              <a:t>18.09.2023</a:t>
+              <a:t>19.09.2023</a:t>
             </a:fld>
             <a:endParaRPr lang="de-DE"/>
           </a:p>
@@ -5421,7 +5434,7 @@
           <a:p>
             <a:fld id="{9D68AE94-240B-49C5-9089-7412333F63ED}" type="datetimeFigureOut">
               <a:rPr lang="de-DE" smtClean="0"/>
-              <a:t>18.09.2023</a:t>
+              <a:t>19.09.2023</a:t>
             </a:fld>
             <a:endParaRPr lang="de-DE"/>
           </a:p>
@@ -12640,7 +12653,7 @@
         </p:nvSpPr>
         <p:spPr>
           <a:xfrm>
-            <a:off x="5318449" y="4535718"/>
+            <a:off x="5136866" y="4410932"/>
             <a:ext cx="5432022" cy="1108742"/>
           </a:xfrm>
           <a:prstGeom prst="rect">
@@ -14242,8 +14255,8 @@
         </p:nvSpPr>
         <p:spPr>
           <a:xfrm>
-            <a:off x="1155548" y="2217343"/>
-            <a:ext cx="9880893" cy="3959619"/>
+            <a:off x="259404" y="2217343"/>
+            <a:ext cx="11660222" cy="3959619"/>
           </a:xfrm>
         </p:spPr>
         <p:txBody>
@@ -14256,11 +14269,11 @@
               <a:buNone/>
             </a:pPr>
             <a:r>
-              <a:rPr lang="de-DE" sz="2000"/>
+              <a:rPr lang="de-DE" sz="2000" dirty="0"/>
               <a:t>Java </a:t>
             </a:r>
             <a:r>
-              <a:rPr lang="ru-RU" sz="2000"/>
+              <a:rPr lang="ru-RU" sz="2000" dirty="0"/>
               <a:t>все еще является строго типизированным языком. Массивы не исключение.</a:t>
             </a:r>
           </a:p>
@@ -14268,33 +14281,33 @@
             <a:pPr marL="0" indent="0">
               <a:buNone/>
             </a:pPr>
-            <a:endParaRPr lang="ru-RU" sz="2000"/>
-          </a:p>
-          <a:p>
-            <a:r>
-              <a:rPr lang="ru-RU" sz="2000"/>
+            <a:endParaRPr lang="ru-RU" sz="2000" dirty="0"/>
+          </a:p>
+          <a:p>
+            <a:r>
+              <a:rPr lang="ru-RU" sz="2000" dirty="0"/>
               <a:t>Как и с переменными при создании массива мы обязаны определить тип массива</a:t>
             </a:r>
           </a:p>
           <a:p>
             <a:r>
-              <a:rPr lang="ru-RU" sz="2000"/>
+              <a:rPr lang="ru-RU" sz="2000" dirty="0"/>
               <a:t>Указанный тип массива говорит о том какой тип элементов будет хранить массив</a:t>
             </a:r>
           </a:p>
           <a:p>
             <a:r>
-              <a:rPr lang="ru-RU" sz="2000"/>
+              <a:rPr lang="ru-RU" sz="2000" dirty="0"/>
               <a:t>Массив может хранить элементы только одного типа. Мешать разные типы в массиве не возможно!</a:t>
             </a:r>
           </a:p>
           <a:p>
             <a:r>
-              <a:rPr lang="ru-RU" sz="2000"/>
+              <a:rPr lang="ru-RU" sz="2000" dirty="0"/>
               <a:t>Пример объявления массива</a:t>
             </a:r>
             <a:r>
-              <a:rPr lang="de-DE" sz="2000"/>
+              <a:rPr lang="de-DE" sz="2000" dirty="0"/>
               <a:t>: </a:t>
             </a:r>
           </a:p>
@@ -14304,50 +14317,56 @@
               <a:buAutoNum type="arabicPeriod"/>
             </a:pPr>
             <a:r>
-              <a:rPr lang="ru-RU" sz="2000"/>
+              <a:rPr lang="ru-RU" sz="2000" dirty="0"/>
               <a:t>Указываем тип</a:t>
             </a:r>
             <a:r>
-              <a:rPr lang="de-DE" sz="2000"/>
-              <a:t>: 	</a:t>
-            </a:r>
-            <a:r>
-              <a:rPr lang="de-DE" sz="2000">
+              <a:rPr lang="de-DE" sz="2000" dirty="0"/>
+              <a:t>: 		</a:t>
+            </a:r>
+            <a:r>
+              <a:rPr lang="de-DE" sz="2000" dirty="0" err="1">
                 <a:latin typeface="Consolas" panose="020B0609020204030204" pitchFamily="49" charset="0"/>
               </a:rPr>
-              <a:t>int </a:t>
-            </a:r>
-            <a:r>
-              <a:rPr lang="ru-RU" sz="2000">
+              <a:t>int</a:t>
+            </a:r>
+            <a:r>
+              <a:rPr lang="de-DE" sz="2000" dirty="0">
                 <a:latin typeface="Consolas" panose="020B0609020204030204" pitchFamily="49" charset="0"/>
               </a:rPr>
+              <a:t> </a:t>
+            </a:r>
+            <a:r>
+              <a:rPr lang="ru-RU" sz="2000" dirty="0">
+                <a:latin typeface="Consolas" panose="020B0609020204030204" pitchFamily="49" charset="0"/>
+              </a:rPr>
               <a:t>или</a:t>
             </a:r>
             <a:r>
-              <a:rPr lang="de-DE" sz="2000">
+              <a:rPr lang="de-DE" sz="2000" dirty="0">
                 <a:latin typeface="Consolas" panose="020B0609020204030204" pitchFamily="49" charset="0"/>
               </a:rPr>
               <a:t> double</a:t>
             </a:r>
             <a:r>
-              <a:rPr lang="ru-RU" sz="2000">
+              <a:rPr lang="ru-RU" sz="2000" dirty="0">
                 <a:latin typeface="Consolas" panose="020B0609020204030204" pitchFamily="49" charset="0"/>
               </a:rPr>
               <a:t> или</a:t>
             </a:r>
             <a:r>
-              <a:rPr lang="de-DE" sz="2000">
+              <a:rPr lang="de-DE" sz="2000" dirty="0">
                 <a:latin typeface="Consolas" panose="020B0609020204030204" pitchFamily="49" charset="0"/>
               </a:rPr>
               <a:t> String </a:t>
             </a:r>
             <a:r>
-              <a:rPr lang="ru-RU" sz="2000">
+              <a:rPr lang="ru-RU" sz="2000" dirty="0">
                 <a:latin typeface="Consolas" panose="020B0609020204030204" pitchFamily="49" charset="0"/>
               </a:rPr>
               <a:t>…</a:t>
             </a:r>
-            <a:endParaRPr lang="de-DE" sz="2000">
+            <a:endParaRPr lang="de-DE" sz="2000" dirty="0">
               <a:latin typeface="Consolas" panose="020B0609020204030204" pitchFamily="49" charset="0"/>
             </a:endParaRPr>
           </a:p>
@@ -14357,18 +14376,24 @@
               <a:buAutoNum type="arabicPeriod"/>
             </a:pPr>
             <a:r>
-              <a:rPr lang="ru-RU" sz="2000"/>
+              <a:rPr lang="ru-RU" sz="2000" dirty="0"/>
               <a:t>Указывает на массив</a:t>
             </a:r>
             <a:r>
-              <a:rPr lang="de-DE" sz="2000"/>
+              <a:rPr lang="de-DE" sz="2000" dirty="0"/>
               <a:t>: 	</a:t>
             </a:r>
             <a:r>
-              <a:rPr lang="de-DE" sz="2000">
+              <a:rPr lang="de-DE" sz="2000" dirty="0" err="1">
                 <a:latin typeface="Consolas" panose="020B0609020204030204" pitchFamily="49" charset="0"/>
               </a:rPr>
-              <a:t>int[], double[], String[]</a:t>
+              <a:t>int</a:t>
+            </a:r>
+            <a:r>
+              <a:rPr lang="de-DE" sz="2000" dirty="0">
+                <a:latin typeface="Consolas" panose="020B0609020204030204" pitchFamily="49" charset="0"/>
+              </a:rPr>
+              <a:t>[], double[], String[]</a:t>
             </a:r>
           </a:p>
           <a:p>
@@ -14377,28 +14402,64 @@
               <a:buAutoNum type="arabicPeriod"/>
             </a:pPr>
             <a:r>
-              <a:rPr lang="ru-RU" sz="2000"/>
+              <a:rPr lang="ru-RU" sz="2000" dirty="0"/>
               <a:t>Присваиваем имя</a:t>
             </a:r>
             <a:r>
-              <a:rPr lang="de-DE" sz="2000"/>
+              <a:rPr lang="de-DE" sz="2000" dirty="0"/>
               <a:t>:</a:t>
             </a:r>
             <a:r>
-              <a:rPr lang="ru-RU" sz="2000"/>
+              <a:rPr lang="ru-RU" sz="2000" dirty="0"/>
               <a:t> </a:t>
             </a:r>
             <a:r>
-              <a:rPr lang="de-DE" sz="2000"/>
+              <a:rPr lang="de-DE" sz="2000" dirty="0"/>
               <a:t>	</a:t>
             </a:r>
             <a:r>
-              <a:rPr lang="de-DE" sz="2000">
+              <a:rPr lang="de-DE" sz="2000" dirty="0" err="1">
                 <a:latin typeface="Consolas" panose="020B0609020204030204" pitchFamily="49" charset="0"/>
               </a:rPr>
-              <a:t>int[] intArr, double[] doubleArr, String[] stringArr</a:t>
-            </a:r>
-            <a:endParaRPr lang="ru-RU" sz="2000">
+              <a:t>int</a:t>
+            </a:r>
+            <a:r>
+              <a:rPr lang="de-DE" sz="2000" dirty="0">
+                <a:latin typeface="Consolas" panose="020B0609020204030204" pitchFamily="49" charset="0"/>
+              </a:rPr>
+              <a:t>[] </a:t>
+            </a:r>
+            <a:r>
+              <a:rPr lang="de-DE" sz="2000" dirty="0" err="1">
+                <a:latin typeface="Consolas" panose="020B0609020204030204" pitchFamily="49" charset="0"/>
+              </a:rPr>
+              <a:t>intArr</a:t>
+            </a:r>
+            <a:r>
+              <a:rPr lang="de-DE" sz="2000" dirty="0">
+                <a:latin typeface="Consolas" panose="020B0609020204030204" pitchFamily="49" charset="0"/>
+              </a:rPr>
+              <a:t>, double </a:t>
+            </a:r>
+            <a:r>
+              <a:rPr lang="de-DE" sz="2000" dirty="0" err="1">
+                <a:latin typeface="Consolas" panose="020B0609020204030204" pitchFamily="49" charset="0"/>
+              </a:rPr>
+              <a:t>doubleArr</a:t>
+            </a:r>
+            <a:r>
+              <a:rPr lang="de-DE" sz="2000" dirty="0">
+                <a:latin typeface="Consolas" panose="020B0609020204030204" pitchFamily="49" charset="0"/>
+              </a:rPr>
+              <a:t>[], String[] </a:t>
+            </a:r>
+            <a:r>
+              <a:rPr lang="de-DE" sz="2000" dirty="0" err="1">
+                <a:latin typeface="Consolas" panose="020B0609020204030204" pitchFamily="49" charset="0"/>
+              </a:rPr>
+              <a:t>stringArr</a:t>
+            </a:r>
+            <a:endParaRPr lang="ru-RU" sz="2000" dirty="0">
               <a:latin typeface="Consolas" panose="020B0609020204030204" pitchFamily="49" charset="0"/>
             </a:endParaRPr>
           </a:p>
@@ -14406,7 +14467,7 @@
             <a:pPr marL="457200" lvl="1" indent="0">
               <a:buNone/>
             </a:pPr>
-            <a:endParaRPr lang="ru-RU" sz="2000">
+            <a:endParaRPr lang="ru-RU" sz="2000" dirty="0">
               <a:highlight>
                 <a:srgbClr val="C0C0C0"/>
               </a:highlight>
@@ -14548,7 +14609,7 @@
           <a:lstStyle/>
           <a:p>
             <a:r>
-              <a:rPr lang="en-US" sz="4000" kern="1200">
+              <a:rPr lang="en-US" sz="4000" kern="1200" dirty="0" err="1">
                 <a:solidFill>
                   <a:schemeClr val="bg1"/>
                 </a:solidFill>
@@ -14556,7 +14617,40 @@
                 <a:ea typeface="+mj-ea"/>
                 <a:cs typeface="+mj-cs"/>
               </a:rPr>
-              <a:t>Объявление массива:</a:t>
+              <a:t>Объявление</a:t>
+            </a:r>
+            <a:r>
+              <a:rPr lang="en-US" sz="4000" kern="1200" dirty="0">
+                <a:solidFill>
+                  <a:schemeClr val="bg1"/>
+                </a:solidFill>
+                <a:latin typeface="+mj-lt"/>
+                <a:ea typeface="+mj-ea"/>
+                <a:cs typeface="+mj-cs"/>
+              </a:rPr>
+              <a:t> </a:t>
+            </a:r>
+            <a:r>
+              <a:rPr lang="en-US" sz="4000" kern="1200" dirty="0" err="1">
+                <a:solidFill>
+                  <a:schemeClr val="bg1"/>
+                </a:solidFill>
+                <a:latin typeface="+mj-lt"/>
+                <a:ea typeface="+mj-ea"/>
+                <a:cs typeface="+mj-cs"/>
+              </a:rPr>
+              <a:t>массива</a:t>
+            </a:r>
+            <a:r>
+              <a:rPr lang="en-US" sz="4000" kern="1200" dirty="0">
+                <a:solidFill>
+                  <a:schemeClr val="bg1"/>
+                </a:solidFill>
+                <a:latin typeface="+mj-lt"/>
+                <a:ea typeface="+mj-ea"/>
+                <a:cs typeface="+mj-cs"/>
+              </a:rPr>
+              <a:t>:</a:t>
             </a:r>
           </a:p>
         </p:txBody>
@@ -14705,8 +14799,8 @@
         </p:nvSpPr>
         <p:spPr bwMode="auto">
           <a:xfrm>
-            <a:off x="1441687" y="2945131"/>
-            <a:ext cx="9880893" cy="3959619"/>
+            <a:off x="2193960" y="2737609"/>
+            <a:ext cx="6768458" cy="2923890"/>
           </a:xfrm>
           <a:prstGeom prst="rect">
             <a:avLst/>
@@ -14799,7 +14893,7 @@
                 </a:ln>
                 <a:effectLst/>
               </a:rPr>
-              <a:t>//  array</a:t>
+              <a:t>// byte array</a:t>
             </a:r>
             <a:br>
               <a:rPr kumimoji="0" lang="en-US" altLang="de-DE" sz="2400" b="0" i="1" u="none" strike="noStrike" cap="none" normalizeH="0" baseline="0" dirty="0">
@@ -15703,7 +15797,7 @@
           <a:lstStyle/>
           <a:p>
             <a:r>
-              <a:rPr lang="ru-RU"/>
+              <a:rPr lang="ru-RU" dirty="0"/>
               <a:t>Объявление и создание массива</a:t>
             </a:r>
             <a:endParaRPr lang="de-DE" dirty="0"/>
@@ -15752,13 +15846,13 @@
           <a:lstStyle/>
           <a:p>
             <a:r>
-              <a:rPr lang="ru-RU" sz="2400" b="0" i="0">
+              <a:rPr lang="ru-RU" sz="2400" b="0" i="0" dirty="0">
                 <a:effectLst/>
                 <a:latin typeface="Menlo"/>
               </a:rPr>
               <a:t>// объявление массива</a:t>
             </a:r>
-            <a:endParaRPr lang="ru-RU" sz="2400" b="1" i="0">
+            <a:endParaRPr lang="ru-RU" sz="2400" b="1" i="0" dirty="0">
               <a:solidFill>
                 <a:srgbClr val="000080"/>
               </a:solidFill>
@@ -15768,7 +15862,7 @@
           </a:p>
           <a:p>
             <a:r>
-              <a:rPr lang="ru-RU" sz="2400" b="1" i="0">
+              <a:rPr lang="ru-RU" sz="2400" b="1" i="0" dirty="0" err="1">
                 <a:solidFill>
                   <a:srgbClr val="000080"/>
                 </a:solidFill>
@@ -15778,30 +15872,57 @@
               <a:t>int</a:t>
             </a:r>
             <a:r>
-              <a:rPr lang="ru-RU" sz="2400" b="0" i="0">
+              <a:rPr lang="ru-RU" sz="2400" b="0" i="0" dirty="0">
                 <a:solidFill>
                   <a:srgbClr val="000000"/>
                 </a:solidFill>
                 <a:effectLst/>
                 <a:latin typeface="Consolas" panose="020B0609020204030204" pitchFamily="49" charset="0"/>
               </a:rPr>
-              <a:t>[] myArray;</a:t>
-            </a:r>
-            <a:endParaRPr lang="ru-RU" sz="2400" b="0" i="0">
+              <a:t>[] </a:t>
+            </a:r>
+            <a:r>
+              <a:rPr lang="ru-RU" sz="2400" b="0" i="0" dirty="0" err="1">
+                <a:solidFill>
+                  <a:srgbClr val="000000"/>
+                </a:solidFill>
+                <a:effectLst/>
+                <a:latin typeface="Consolas" panose="020B0609020204030204" pitchFamily="49" charset="0"/>
+              </a:rPr>
+              <a:t>myArray</a:t>
+            </a:r>
+            <a:r>
+              <a:rPr lang="ru-RU" sz="2400" b="0" i="0" dirty="0">
+                <a:solidFill>
+                  <a:srgbClr val="000000"/>
+                </a:solidFill>
+                <a:effectLst/>
+                <a:latin typeface="Consolas" panose="020B0609020204030204" pitchFamily="49" charset="0"/>
+              </a:rPr>
+              <a:t>;</a:t>
+            </a:r>
+            <a:endParaRPr lang="ru-RU" sz="2400" b="0" i="0" dirty="0">
               <a:effectLst/>
               <a:latin typeface="Consolas" panose="020B0609020204030204" pitchFamily="49" charset="0"/>
             </a:endParaRPr>
           </a:p>
           <a:p>
             <a:r>
-              <a:rPr lang="ru-RU" sz="2400" b="0" i="0">
+              <a:rPr lang="ru-RU" sz="2400" b="0" i="0" dirty="0">
                 <a:effectLst/>
                 <a:latin typeface="Menlo"/>
               </a:rPr>
-              <a:t>// создание, то есть, выделение памяти для массива на 10 элементов типа int</a:t>
-            </a:r>
-            <a:r>
-              <a:rPr lang="ru-RU" sz="2400" b="0" i="0">
+              <a:t>// создание, то есть, выделение памяти для массива на 10 элементов типа </a:t>
+            </a:r>
+            <a:r>
+              <a:rPr lang="ru-RU" sz="2400" b="0" i="0" dirty="0" err="1">
+                <a:effectLst/>
+                <a:latin typeface="Menlo"/>
+              </a:rPr>
+              <a:t>int</a:t>
+            </a:r>
+            <a:r>
+              <a:rPr lang="ru-RU" sz="2400" b="0" i="0" dirty="0">
                 <a:solidFill>
                   <a:srgbClr val="000000"/>
                 </a:solidFill>
@@ -15813,17 +15934,27 @@
           </a:p>
           <a:p>
             <a:r>
-              <a:rPr lang="ru-RU" sz="2400" b="0" i="0">
+              <a:rPr lang="ru-RU" sz="2400" b="0" i="0" dirty="0" err="1">
                 <a:solidFill>
                   <a:srgbClr val="000000"/>
                 </a:solidFill>
                 <a:effectLst/>
                 <a:latin typeface="Consolas" panose="020B0609020204030204" pitchFamily="49" charset="0"/>
               </a:rPr>
-              <a:t>myArray = </a:t>
-            </a:r>
-            <a:r>
-              <a:rPr lang="ru-RU" sz="2400" b="1" i="0">
+              <a:t>myArray</a:t>
+            </a:r>
+            <a:r>
+              <a:rPr lang="ru-RU" sz="2400" b="0" i="0" dirty="0">
+                <a:solidFill>
+                  <a:srgbClr val="000000"/>
+                </a:solidFill>
+                <a:effectLst/>
+                <a:latin typeface="Consolas" panose="020B0609020204030204" pitchFamily="49" charset="0"/>
+              </a:rPr>
+              <a:t> = </a:t>
+            </a:r>
+            <a:r>
+              <a:rPr lang="ru-RU" sz="2400" b="1" i="0" dirty="0" err="1">
                 <a:solidFill>
                   <a:srgbClr val="000080"/>
                 </a:solidFill>
@@ -15833,7 +15964,7 @@
               <a:t>new</a:t>
             </a:r>
             <a:r>
-              <a:rPr lang="ru-RU" sz="2400" b="0" i="0">
+              <a:rPr lang="ru-RU" sz="2400" b="0" i="0" dirty="0">
                 <a:solidFill>
                   <a:srgbClr val="000000"/>
                 </a:solidFill>
@@ -15843,7 +15974,7 @@
               <a:t> </a:t>
             </a:r>
             <a:r>
-              <a:rPr lang="ru-RU" sz="2400" b="1" i="0">
+              <a:rPr lang="ru-RU" sz="2400" b="1" i="0" dirty="0" err="1">
                 <a:solidFill>
                   <a:srgbClr val="000080"/>
                 </a:solidFill>
@@ -15853,7 +15984,7 @@
               <a:t>int</a:t>
             </a:r>
             <a:r>
-              <a:rPr lang="ru-RU" sz="2400" b="0" i="0">
+              <a:rPr lang="ru-RU" sz="2400" b="0" i="0" dirty="0">
                 <a:solidFill>
                   <a:srgbClr val="000000"/>
                 </a:solidFill>
@@ -15863,7 +15994,7 @@
               <a:t>[</a:t>
             </a:r>
             <a:r>
-              <a:rPr lang="ru-RU" sz="2400" b="0" i="0">
+              <a:rPr lang="ru-RU" sz="2400" b="0" i="0" dirty="0">
                 <a:solidFill>
                   <a:srgbClr val="082C8B"/>
                 </a:solidFill>
@@ -15873,7 +16004,7 @@
               <a:t>10</a:t>
             </a:r>
             <a:r>
-              <a:rPr lang="ru-RU" sz="2400" b="0" i="0">
+              <a:rPr lang="ru-RU" sz="2400" b="0" i="0" dirty="0">
                 <a:solidFill>
                   <a:srgbClr val="000000"/>
                 </a:solidFill>
@@ -16051,7 +16182,7 @@
           <a:lstStyle/>
           <a:p>
             <a:r>
-              <a:rPr lang="ru-RU" b="1" i="0">
+              <a:rPr lang="ru-RU" b="1" i="0" dirty="0" err="1">
                 <a:solidFill>
                   <a:srgbClr val="000080"/>
                 </a:solidFill>
@@ -16061,17 +16192,37 @@
               <a:t>int</a:t>
             </a:r>
             <a:r>
-              <a:rPr lang="ru-RU" b="0" i="0">
+              <a:rPr lang="ru-RU" b="0" i="0" dirty="0">
                 <a:solidFill>
                   <a:srgbClr val="000000"/>
                 </a:solidFill>
                 <a:effectLst/>
                 <a:latin typeface="Consolas" panose="020B0609020204030204" pitchFamily="49" charset="0"/>
               </a:rPr>
-              <a:t>[] myArray = </a:t>
-            </a:r>
-            <a:r>
-              <a:rPr lang="ru-RU" b="1" i="0">
+              <a:t>[] </a:t>
+            </a:r>
+            <a:r>
+              <a:rPr lang="ru-RU" b="0" i="0" dirty="0" err="1">
+                <a:solidFill>
+                  <a:srgbClr val="000000"/>
+                </a:solidFill>
+                <a:effectLst/>
+                <a:latin typeface="Consolas" panose="020B0609020204030204" pitchFamily="49" charset="0"/>
+              </a:rPr>
+              <a:t>myArray</a:t>
+            </a:r>
+            <a:r>
+              <a:rPr lang="ru-RU" b="0" i="0" dirty="0">
+                <a:solidFill>
+                  <a:srgbClr val="000000"/>
+                </a:solidFill>
+                <a:effectLst/>
+                <a:latin typeface="Consolas" panose="020B0609020204030204" pitchFamily="49" charset="0"/>
+              </a:rPr>
+              <a:t> = </a:t>
+            </a:r>
+            <a:r>
+              <a:rPr lang="ru-RU" b="1" i="0" dirty="0" err="1">
                 <a:solidFill>
                   <a:srgbClr val="000080"/>
                 </a:solidFill>
@@ -16081,7 +16232,7 @@
               <a:t>new</a:t>
             </a:r>
             <a:r>
-              <a:rPr lang="ru-RU" b="0" i="0">
+              <a:rPr lang="ru-RU" b="0" i="0" dirty="0">
                 <a:solidFill>
                   <a:srgbClr val="000000"/>
                 </a:solidFill>
@@ -16091,7 +16242,7 @@
               <a:t> </a:t>
             </a:r>
             <a:r>
-              <a:rPr lang="ru-RU" b="1" i="0">
+              <a:rPr lang="ru-RU" b="1" i="0" dirty="0" err="1">
                 <a:solidFill>
                   <a:srgbClr val="000080"/>
                 </a:solidFill>
@@ -16101,7 +16252,7 @@
               <a:t>int</a:t>
             </a:r>
             <a:r>
-              <a:rPr lang="ru-RU" b="0" i="0">
+              <a:rPr lang="ru-RU" b="0" i="0" dirty="0">
                 <a:solidFill>
                   <a:srgbClr val="000000"/>
                 </a:solidFill>
@@ -16111,7 +16262,7 @@
               <a:t>[</a:t>
             </a:r>
             <a:r>
-              <a:rPr lang="ru-RU" b="0" i="0">
+              <a:rPr lang="ru-RU" b="0" i="0" dirty="0">
                 <a:solidFill>
                   <a:srgbClr val="082C8B"/>
                 </a:solidFill>
@@ -16121,7 +16272,7 @@
               <a:t>10</a:t>
             </a:r>
             <a:r>
-              <a:rPr lang="ru-RU" b="0" i="0">
+              <a:rPr lang="ru-RU" b="0" i="0" dirty="0">
                 <a:solidFill>
                   <a:srgbClr val="000000"/>
                 </a:solidFill>
@@ -16131,7 +16282,7 @@
               <a:t>]; </a:t>
             </a:r>
             <a:r>
-              <a:rPr lang="ru-RU" b="0" i="0">
+              <a:rPr lang="ru-RU" b="0" i="0" dirty="0">
                 <a:effectLst/>
                 <a:latin typeface="Menlo"/>
               </a:rPr>
